--- a/themes/colorful.pptx
+++ b/themes/colorful.pptx
@@ -1,8 +1,8 @@
 
 <file path=ppt/presentation.xml><?xml version="1.0" encoding="utf-8"?>
-<p:presentation xmlns:a="http://schemas.openxmlformats.org/drawingml/2006/main" xmlns:p="http://schemas.openxmlformats.org/presentationml/2006/main" xmlns:p15="http://schemas.microsoft.com/office/powerpoint/2012/main" xmlns:r="http://schemas.openxmlformats.org/officeDocument/2006/relationships" saveSubsetFonts="1" autoCompressPictures="0">
+<p:presentation xmlns:a="http://schemas.openxmlformats.org/drawingml/2006/main" xmlns:r="http://schemas.openxmlformats.org/officeDocument/2006/relationships" xmlns:p="http://schemas.openxmlformats.org/presentationml/2006/main" saveSubsetFonts="1" autoCompressPictures="0">
   <p:sldMasterIdLst>
-    <p:sldMasterId id="2747749953" r:id="rId1"/>
+    <p:sldMasterId id="2147483723" r:id="rId1"/>
   </p:sldMasterIdLst>
   <p:sldIdLst>
     <p:sldId id="256" r:id="rId2"/>
@@ -107,7 +107,7 @@
   </p:defaultTextStyle>
   <p:extLst>
     <p:ext uri="{EFAFB233-063F-42B5-8137-9DF3F51BA10A}">
-      <p15:sldGuideLst>
+      <p15:sldGuideLst xmlns:p15="http://schemas.microsoft.com/office/powerpoint/2012/main">
         <p15:guide id="1" orient="horz" pos="1620">
           <p15:clr>
             <a:srgbClr val="A4A3A4"/>
@@ -125,13 +125,8 @@
 </file>
 
 <file path=ppt/slideLayouts/slideLayout1.xml><?xml version="1.0" encoding="utf-8"?>
-<p:sldLayout xmlns:a="http://schemas.openxmlformats.org/drawingml/2006/main" xmlns:p="http://schemas.openxmlformats.org/presentationml/2006/main" xmlns:p14="http://schemas.microsoft.com/office/powerpoint/2010/main" showMasterSp="0" type="title" preserve="1">
+<p:sldLayout xmlns:a="http://schemas.openxmlformats.org/drawingml/2006/main" xmlns:r="http://schemas.openxmlformats.org/officeDocument/2006/relationships" xmlns:p="http://schemas.openxmlformats.org/presentationml/2006/main" showMasterSp="0" type="title" preserve="1">
   <p:cSld name="Title Slide">
-    <p:extLst>
-      <p:ext uri="{BB962C8B-B14F-4D97-AF65-F5344CB8AC3E}">
-        <p14:creationId val="1494807273"/>
-      </p:ext>
-    </p:extLst>
     <p:spTree>
       <p:nvGrpSpPr>
         <p:cNvPr id="1" name=""/>
@@ -899,6 +894,11 @@
         </p:txBody>
       </p:sp>
     </p:spTree>
+    <p:extLst>
+      <p:ext uri="{BB962C8B-B14F-4D97-AF65-F5344CB8AC3E}">
+        <p14:creationId xmlns:p14="http://schemas.microsoft.com/office/powerpoint/2010/main" val="2745786103"/>
+      </p:ext>
+    </p:extLst>
   </p:cSld>
   <p:clrMapOvr>
     <a:masterClrMapping/>
@@ -907,13 +907,8 @@
 </file>
 
 <file path=ppt/slideLayouts/slideLayout10.xml><?xml version="1.0" encoding="utf-8"?>
-<p:sldLayout xmlns:a="http://schemas.openxmlformats.org/drawingml/2006/main" xmlns:p="http://schemas.openxmlformats.org/presentationml/2006/main" xmlns:p14="http://schemas.microsoft.com/office/powerpoint/2010/main" preserve="1">
+<p:sldLayout xmlns:a="http://schemas.openxmlformats.org/drawingml/2006/main" xmlns:r="http://schemas.openxmlformats.org/officeDocument/2006/relationships" xmlns:p="http://schemas.openxmlformats.org/presentationml/2006/main" preserve="1">
   <p:cSld name="Title and Caption">
-    <p:extLst>
-      <p:ext uri="{BB962C8B-B14F-4D97-AF65-F5344CB8AC3E}">
-        <p14:creationId val="3602741309"/>
-      </p:ext>
-    </p:extLst>
     <p:spTree>
       <p:nvGrpSpPr>
         <p:cNvPr id="1" name=""/>
@@ -1150,6 +1145,11 @@
         </p:txBody>
       </p:sp>
     </p:spTree>
+    <p:extLst>
+      <p:ext uri="{BB962C8B-B14F-4D97-AF65-F5344CB8AC3E}">
+        <p14:creationId xmlns:p14="http://schemas.microsoft.com/office/powerpoint/2010/main" val="978442105"/>
+      </p:ext>
+    </p:extLst>
   </p:cSld>
   <p:clrMapOvr>
     <a:masterClrMapping/>
@@ -1158,13 +1158,8 @@
 </file>
 
 <file path=ppt/slideLayouts/slideLayout11.xml><?xml version="1.0" encoding="utf-8"?>
-<p:sldLayout xmlns:a="http://schemas.openxmlformats.org/drawingml/2006/main" xmlns:p="http://schemas.openxmlformats.org/presentationml/2006/main" xmlns:p14="http://schemas.microsoft.com/office/powerpoint/2010/main" preserve="1">
+<p:sldLayout xmlns:a="http://schemas.openxmlformats.org/drawingml/2006/main" xmlns:r="http://schemas.openxmlformats.org/officeDocument/2006/relationships" xmlns:p="http://schemas.openxmlformats.org/presentationml/2006/main" preserve="1">
   <p:cSld name="Quote with Caption">
-    <p:extLst>
-      <p:ext uri="{BB962C8B-B14F-4D97-AF65-F5344CB8AC3E}">
-        <p14:creationId val="577300937"/>
-      </p:ext>
-    </p:extLst>
     <p:spTree>
       <p:nvGrpSpPr>
         <p:cNvPr id="1" name=""/>
@@ -1554,6 +1549,11 @@
         </p:txBody>
       </p:sp>
     </p:spTree>
+    <p:extLst>
+      <p:ext uri="{BB962C8B-B14F-4D97-AF65-F5344CB8AC3E}">
+        <p14:creationId xmlns:p14="http://schemas.microsoft.com/office/powerpoint/2010/main" val="2763053058"/>
+      </p:ext>
+    </p:extLst>
   </p:cSld>
   <p:clrMapOvr>
     <a:masterClrMapping/>
@@ -1562,13 +1562,8 @@
 </file>
 
 <file path=ppt/slideLayouts/slideLayout12.xml><?xml version="1.0" encoding="utf-8"?>
-<p:sldLayout xmlns:a="http://schemas.openxmlformats.org/drawingml/2006/main" xmlns:p="http://schemas.openxmlformats.org/presentationml/2006/main" xmlns:p14="http://schemas.microsoft.com/office/powerpoint/2010/main" preserve="1">
+<p:sldLayout xmlns:a="http://schemas.openxmlformats.org/drawingml/2006/main" xmlns:r="http://schemas.openxmlformats.org/officeDocument/2006/relationships" xmlns:p="http://schemas.openxmlformats.org/presentationml/2006/main" preserve="1">
   <p:cSld name="Name Card">
-    <p:extLst>
-      <p:ext uri="{BB962C8B-B14F-4D97-AF65-F5344CB8AC3E}">
-        <p14:creationId val="2280021926"/>
-      </p:ext>
-    </p:extLst>
     <p:spTree>
       <p:nvGrpSpPr>
         <p:cNvPr id="1" name=""/>
@@ -1805,6 +1800,11 @@
         </p:txBody>
       </p:sp>
     </p:spTree>
+    <p:extLst>
+      <p:ext uri="{BB962C8B-B14F-4D97-AF65-F5344CB8AC3E}">
+        <p14:creationId xmlns:p14="http://schemas.microsoft.com/office/powerpoint/2010/main" val="1568158656"/>
+      </p:ext>
+    </p:extLst>
   </p:cSld>
   <p:clrMapOvr>
     <a:masterClrMapping/>
@@ -1813,13 +1813,8 @@
 </file>
 
 <file path=ppt/slideLayouts/slideLayout13.xml><?xml version="1.0" encoding="utf-8"?>
-<p:sldLayout xmlns:a="http://schemas.openxmlformats.org/drawingml/2006/main" xmlns:p="http://schemas.openxmlformats.org/presentationml/2006/main" xmlns:p14="http://schemas.microsoft.com/office/powerpoint/2010/main" preserve="1">
+<p:sldLayout xmlns:a="http://schemas.openxmlformats.org/drawingml/2006/main" xmlns:r="http://schemas.openxmlformats.org/officeDocument/2006/relationships" xmlns:p="http://schemas.openxmlformats.org/presentationml/2006/main" preserve="1">
   <p:cSld name="Quote Name Card">
-    <p:extLst>
-      <p:ext uri="{BB962C8B-B14F-4D97-AF65-F5344CB8AC3E}">
-        <p14:creationId val="791378483"/>
-      </p:ext>
-    </p:extLst>
     <p:spTree>
       <p:nvGrpSpPr>
         <p:cNvPr id="1" name=""/>
@@ -2201,6 +2196,11 @@
         </p:txBody>
       </p:sp>
     </p:spTree>
+    <p:extLst>
+      <p:ext uri="{BB962C8B-B14F-4D97-AF65-F5344CB8AC3E}">
+        <p14:creationId xmlns:p14="http://schemas.microsoft.com/office/powerpoint/2010/main" val="934503230"/>
+      </p:ext>
+    </p:extLst>
   </p:cSld>
   <p:clrMapOvr>
     <a:masterClrMapping/>
@@ -2209,13 +2209,8 @@
 </file>
 
 <file path=ppt/slideLayouts/slideLayout14.xml><?xml version="1.0" encoding="utf-8"?>
-<p:sldLayout xmlns:a="http://schemas.openxmlformats.org/drawingml/2006/main" xmlns:p="http://schemas.openxmlformats.org/presentationml/2006/main" xmlns:p14="http://schemas.microsoft.com/office/powerpoint/2010/main" preserve="1">
+<p:sldLayout xmlns:a="http://schemas.openxmlformats.org/drawingml/2006/main" xmlns:r="http://schemas.openxmlformats.org/officeDocument/2006/relationships" xmlns:p="http://schemas.openxmlformats.org/presentationml/2006/main" preserve="1">
   <p:cSld name="True or False">
-    <p:extLst>
-      <p:ext uri="{BB962C8B-B14F-4D97-AF65-F5344CB8AC3E}">
-        <p14:creationId val="600629617"/>
-      </p:ext>
-    </p:extLst>
     <p:spTree>
       <p:nvGrpSpPr>
         <p:cNvPr id="1" name=""/>
@@ -2512,6 +2507,11 @@
         </p:txBody>
       </p:sp>
     </p:spTree>
+    <p:extLst>
+      <p:ext uri="{BB962C8B-B14F-4D97-AF65-F5344CB8AC3E}">
+        <p14:creationId xmlns:p14="http://schemas.microsoft.com/office/powerpoint/2010/main" val="3797409998"/>
+      </p:ext>
+    </p:extLst>
   </p:cSld>
   <p:clrMapOvr>
     <a:masterClrMapping/>
@@ -2520,13 +2520,8 @@
 </file>
 
 <file path=ppt/slideLayouts/slideLayout15.xml><?xml version="1.0" encoding="utf-8"?>
-<p:sldLayout xmlns:a="http://schemas.openxmlformats.org/drawingml/2006/main" xmlns:p="http://schemas.openxmlformats.org/presentationml/2006/main" xmlns:p14="http://schemas.microsoft.com/office/powerpoint/2010/main" type="vertTx" preserve="1">
+<p:sldLayout xmlns:a="http://schemas.openxmlformats.org/drawingml/2006/main" xmlns:r="http://schemas.openxmlformats.org/officeDocument/2006/relationships" xmlns:p="http://schemas.openxmlformats.org/presentationml/2006/main" type="vertTx" preserve="1">
   <p:cSld name="Title and Vertical Text">
-    <p:extLst>
-      <p:ext uri="{BB962C8B-B14F-4D97-AF65-F5344CB8AC3E}">
-        <p14:creationId val="3857541804"/>
-      </p:ext>
-    </p:extLst>
     <p:spTree>
       <p:nvGrpSpPr>
         <p:cNvPr id="1" name=""/>
@@ -2682,6 +2677,11 @@
         </p:txBody>
       </p:sp>
     </p:spTree>
+    <p:extLst>
+      <p:ext uri="{BB962C8B-B14F-4D97-AF65-F5344CB8AC3E}">
+        <p14:creationId xmlns:p14="http://schemas.microsoft.com/office/powerpoint/2010/main" val="2594847778"/>
+      </p:ext>
+    </p:extLst>
   </p:cSld>
   <p:clrMapOvr>
     <a:masterClrMapping/>
@@ -2690,13 +2690,8 @@
 </file>
 
 <file path=ppt/slideLayouts/slideLayout16.xml><?xml version="1.0" encoding="utf-8"?>
-<p:sldLayout xmlns:a="http://schemas.openxmlformats.org/drawingml/2006/main" xmlns:p="http://schemas.openxmlformats.org/presentationml/2006/main" xmlns:p14="http://schemas.microsoft.com/office/powerpoint/2010/main" type="vertTitleAndTx" preserve="1">
+<p:sldLayout xmlns:a="http://schemas.openxmlformats.org/drawingml/2006/main" xmlns:r="http://schemas.openxmlformats.org/officeDocument/2006/relationships" xmlns:p="http://schemas.openxmlformats.org/presentationml/2006/main" type="vertTitleAndTx" preserve="1">
   <p:cSld name="Vertical Title and Text">
-    <p:extLst>
-      <p:ext uri="{BB962C8B-B14F-4D97-AF65-F5344CB8AC3E}">
-        <p14:creationId val="786131677"/>
-      </p:ext>
-    </p:extLst>
     <p:spTree>
       <p:nvGrpSpPr>
         <p:cNvPr id="1" name=""/>
@@ -2862,6 +2857,11 @@
         </p:txBody>
       </p:sp>
     </p:spTree>
+    <p:extLst>
+      <p:ext uri="{BB962C8B-B14F-4D97-AF65-F5344CB8AC3E}">
+        <p14:creationId xmlns:p14="http://schemas.microsoft.com/office/powerpoint/2010/main" val="1388135870"/>
+      </p:ext>
+    </p:extLst>
   </p:cSld>
   <p:clrMapOvr>
     <a:masterClrMapping/>
@@ -2870,13 +2870,8 @@
 </file>
 
 <file path=ppt/slideLayouts/slideLayout2.xml><?xml version="1.0" encoding="utf-8"?>
-<p:sldLayout xmlns:a="http://schemas.openxmlformats.org/drawingml/2006/main" xmlns:p="http://schemas.openxmlformats.org/presentationml/2006/main" xmlns:p14="http://schemas.microsoft.com/office/powerpoint/2010/main" type="obj" preserve="1">
+<p:sldLayout xmlns:a="http://schemas.openxmlformats.org/drawingml/2006/main" xmlns:r="http://schemas.openxmlformats.org/officeDocument/2006/relationships" xmlns:p="http://schemas.openxmlformats.org/presentationml/2006/main" type="obj" preserve="1">
   <p:cSld name="Title and Content">
-    <p:extLst>
-      <p:ext uri="{BB962C8B-B14F-4D97-AF65-F5344CB8AC3E}">
-        <p14:creationId val="1274294374"/>
-      </p:ext>
-    </p:extLst>
     <p:spTree>
       <p:nvGrpSpPr>
         <p:cNvPr id="1" name=""/>
@@ -3038,6 +3033,11 @@
         </p:txBody>
       </p:sp>
     </p:spTree>
+    <p:extLst>
+      <p:ext uri="{BB962C8B-B14F-4D97-AF65-F5344CB8AC3E}">
+        <p14:creationId xmlns:p14="http://schemas.microsoft.com/office/powerpoint/2010/main" val="4197326324"/>
+      </p:ext>
+    </p:extLst>
   </p:cSld>
   <p:clrMapOvr>
     <a:masterClrMapping/>
@@ -3046,13 +3046,8 @@
 </file>
 
 <file path=ppt/slideLayouts/slideLayout3.xml><?xml version="1.0" encoding="utf-8"?>
-<p:sldLayout xmlns:a="http://schemas.openxmlformats.org/drawingml/2006/main" xmlns:p="http://schemas.openxmlformats.org/presentationml/2006/main" xmlns:p14="http://schemas.microsoft.com/office/powerpoint/2010/main" type="secHead" preserve="1">
+<p:sldLayout xmlns:a="http://schemas.openxmlformats.org/drawingml/2006/main" xmlns:r="http://schemas.openxmlformats.org/officeDocument/2006/relationships" xmlns:p="http://schemas.openxmlformats.org/presentationml/2006/main" type="secHead" preserve="1">
   <p:cSld name="Section Header">
-    <p:extLst>
-      <p:ext uri="{BB962C8B-B14F-4D97-AF65-F5344CB8AC3E}">
-        <p14:creationId val="4082347496"/>
-      </p:ext>
-    </p:extLst>
     <p:spTree>
       <p:nvGrpSpPr>
         <p:cNvPr id="1" name=""/>
@@ -3285,6 +3280,11 @@
         </p:txBody>
       </p:sp>
     </p:spTree>
+    <p:extLst>
+      <p:ext uri="{BB962C8B-B14F-4D97-AF65-F5344CB8AC3E}">
+        <p14:creationId xmlns:p14="http://schemas.microsoft.com/office/powerpoint/2010/main" val="4141158322"/>
+      </p:ext>
+    </p:extLst>
   </p:cSld>
   <p:clrMapOvr>
     <a:masterClrMapping/>
@@ -3293,13 +3293,8 @@
 </file>
 
 <file path=ppt/slideLayouts/slideLayout4.xml><?xml version="1.0" encoding="utf-8"?>
-<p:sldLayout xmlns:a="http://schemas.openxmlformats.org/drawingml/2006/main" xmlns:p="http://schemas.openxmlformats.org/presentationml/2006/main" xmlns:p14="http://schemas.microsoft.com/office/powerpoint/2010/main" type="twoObj" preserve="1">
+<p:sldLayout xmlns:a="http://schemas.openxmlformats.org/drawingml/2006/main" xmlns:r="http://schemas.openxmlformats.org/officeDocument/2006/relationships" xmlns:p="http://schemas.openxmlformats.org/presentationml/2006/main" type="twoObj" preserve="1">
   <p:cSld name="Two Content">
-    <p:extLst>
-      <p:ext uri="{BB962C8B-B14F-4D97-AF65-F5344CB8AC3E}">
-        <p14:creationId val="4132049004"/>
-      </p:ext>
-    </p:extLst>
     <p:spTree>
       <p:nvGrpSpPr>
         <p:cNvPr id="1" name=""/>
@@ -3517,6 +3512,11 @@
         </p:txBody>
       </p:sp>
     </p:spTree>
+    <p:extLst>
+      <p:ext uri="{BB962C8B-B14F-4D97-AF65-F5344CB8AC3E}">
+        <p14:creationId xmlns:p14="http://schemas.microsoft.com/office/powerpoint/2010/main" val="3680678999"/>
+      </p:ext>
+    </p:extLst>
   </p:cSld>
   <p:clrMapOvr>
     <a:masterClrMapping/>
@@ -3525,13 +3525,8 @@
 </file>
 
 <file path=ppt/slideLayouts/slideLayout5.xml><?xml version="1.0" encoding="utf-8"?>
-<p:sldLayout xmlns:a="http://schemas.openxmlformats.org/drawingml/2006/main" xmlns:p="http://schemas.openxmlformats.org/presentationml/2006/main" xmlns:p14="http://schemas.microsoft.com/office/powerpoint/2010/main" type="twoTxTwoObj" preserve="1">
+<p:sldLayout xmlns:a="http://schemas.openxmlformats.org/drawingml/2006/main" xmlns:r="http://schemas.openxmlformats.org/officeDocument/2006/relationships" xmlns:p="http://schemas.openxmlformats.org/presentationml/2006/main" type="twoTxTwoObj" preserve="1">
   <p:cSld name="Comparison">
-    <p:extLst>
-      <p:ext uri="{BB962C8B-B14F-4D97-AF65-F5344CB8AC3E}">
-        <p14:creationId val="3965712426"/>
-      </p:ext>
-    </p:extLst>
     <p:spTree>
       <p:nvGrpSpPr>
         <p:cNvPr id="1" name=""/>
@@ -3891,6 +3886,11 @@
         </p:txBody>
       </p:sp>
     </p:spTree>
+    <p:extLst>
+      <p:ext uri="{BB962C8B-B14F-4D97-AF65-F5344CB8AC3E}">
+        <p14:creationId xmlns:p14="http://schemas.microsoft.com/office/powerpoint/2010/main" val="518919971"/>
+      </p:ext>
+    </p:extLst>
   </p:cSld>
   <p:clrMapOvr>
     <a:masterClrMapping/>
@@ -3899,13 +3899,8 @@
 </file>
 
 <file path=ppt/slideLayouts/slideLayout6.xml><?xml version="1.0" encoding="utf-8"?>
-<p:sldLayout xmlns:a="http://schemas.openxmlformats.org/drawingml/2006/main" xmlns:p="http://schemas.openxmlformats.org/presentationml/2006/main" xmlns:p14="http://schemas.microsoft.com/office/powerpoint/2010/main" type="titleOnly" preserve="1">
+<p:sldLayout xmlns:a="http://schemas.openxmlformats.org/drawingml/2006/main" xmlns:r="http://schemas.openxmlformats.org/officeDocument/2006/relationships" xmlns:p="http://schemas.openxmlformats.org/presentationml/2006/main" type="titleOnly" preserve="1">
   <p:cSld name="Title Only">
-    <p:extLst>
-      <p:ext uri="{BB962C8B-B14F-4D97-AF65-F5344CB8AC3E}">
-        <p14:creationId val="826857812"/>
-      </p:ext>
-    </p:extLst>
     <p:spTree>
       <p:nvGrpSpPr>
         <p:cNvPr id="1" name=""/>
@@ -4014,6 +4009,11 @@
         </p:txBody>
       </p:sp>
     </p:spTree>
+    <p:extLst>
+      <p:ext uri="{BB962C8B-B14F-4D97-AF65-F5344CB8AC3E}">
+        <p14:creationId xmlns:p14="http://schemas.microsoft.com/office/powerpoint/2010/main" val="3296235565"/>
+      </p:ext>
+    </p:extLst>
   </p:cSld>
   <p:clrMapOvr>
     <a:masterClrMapping/>
@@ -4022,13 +4022,8 @@
 </file>
 
 <file path=ppt/slideLayouts/slideLayout7.xml><?xml version="1.0" encoding="utf-8"?>
-<p:sldLayout xmlns:a="http://schemas.openxmlformats.org/drawingml/2006/main" xmlns:p="http://schemas.openxmlformats.org/presentationml/2006/main" xmlns:p14="http://schemas.microsoft.com/office/powerpoint/2010/main" type="blank" preserve="1">
+<p:sldLayout xmlns:a="http://schemas.openxmlformats.org/drawingml/2006/main" xmlns:r="http://schemas.openxmlformats.org/officeDocument/2006/relationships" xmlns:p="http://schemas.openxmlformats.org/presentationml/2006/main" type="blank" preserve="1">
   <p:cSld name="Blank">
-    <p:extLst>
-      <p:ext uri="{BB962C8B-B14F-4D97-AF65-F5344CB8AC3E}">
-        <p14:creationId val="2126693842"/>
-      </p:ext>
-    </p:extLst>
     <p:spTree>
       <p:nvGrpSpPr>
         <p:cNvPr id="1" name=""/>
@@ -4109,6 +4104,11 @@
         </p:txBody>
       </p:sp>
     </p:spTree>
+    <p:extLst>
+      <p:ext uri="{BB962C8B-B14F-4D97-AF65-F5344CB8AC3E}">
+        <p14:creationId xmlns:p14="http://schemas.microsoft.com/office/powerpoint/2010/main" val="4223945614"/>
+      </p:ext>
+    </p:extLst>
   </p:cSld>
   <p:clrMapOvr>
     <a:masterClrMapping/>
@@ -4117,13 +4117,8 @@
 </file>
 
 <file path=ppt/slideLayouts/slideLayout8.xml><?xml version="1.0" encoding="utf-8"?>
-<p:sldLayout xmlns:a="http://schemas.openxmlformats.org/drawingml/2006/main" xmlns:p="http://schemas.openxmlformats.org/presentationml/2006/main" xmlns:p14="http://schemas.microsoft.com/office/powerpoint/2010/main" type="objTx" preserve="1">
+<p:sldLayout xmlns:a="http://schemas.openxmlformats.org/drawingml/2006/main" xmlns:r="http://schemas.openxmlformats.org/officeDocument/2006/relationships" xmlns:p="http://schemas.openxmlformats.org/presentationml/2006/main" type="objTx" preserve="1">
   <p:cSld name="Content with Caption">
-    <p:extLst>
-      <p:ext uri="{BB962C8B-B14F-4D97-AF65-F5344CB8AC3E}">
-        <p14:creationId val="2256960126"/>
-      </p:ext>
-    </p:extLst>
     <p:spTree>
       <p:nvGrpSpPr>
         <p:cNvPr id="1" name=""/>
@@ -4364,6 +4359,11 @@
         </p:txBody>
       </p:sp>
     </p:spTree>
+    <p:extLst>
+      <p:ext uri="{BB962C8B-B14F-4D97-AF65-F5344CB8AC3E}">
+        <p14:creationId xmlns:p14="http://schemas.microsoft.com/office/powerpoint/2010/main" val="1277500719"/>
+      </p:ext>
+    </p:extLst>
   </p:cSld>
   <p:clrMapOvr>
     <a:masterClrMapping/>
@@ -4372,13 +4372,8 @@
 </file>
 
 <file path=ppt/slideLayouts/slideLayout9.xml><?xml version="1.0" encoding="utf-8"?>
-<p:sldLayout xmlns:a="http://schemas.openxmlformats.org/drawingml/2006/main" xmlns:p="http://schemas.openxmlformats.org/presentationml/2006/main" xmlns:p14="http://schemas.microsoft.com/office/powerpoint/2010/main" type="picTx" preserve="1">
+<p:sldLayout xmlns:a="http://schemas.openxmlformats.org/drawingml/2006/main" xmlns:r="http://schemas.openxmlformats.org/officeDocument/2006/relationships" xmlns:p="http://schemas.openxmlformats.org/presentationml/2006/main" type="picTx" preserve="1">
   <p:cSld name="Picture with Caption">
-    <p:extLst>
-      <p:ext uri="{BB962C8B-B14F-4D97-AF65-F5344CB8AC3E}">
-        <p14:creationId val="453366273"/>
-      </p:ext>
-    </p:extLst>
     <p:spTree>
       <p:nvGrpSpPr>
         <p:cNvPr id="1" name=""/>
@@ -4627,6 +4622,11 @@
         </p:txBody>
       </p:sp>
     </p:spTree>
+    <p:extLst>
+      <p:ext uri="{BB962C8B-B14F-4D97-AF65-F5344CB8AC3E}">
+        <p14:creationId xmlns:p14="http://schemas.microsoft.com/office/powerpoint/2010/main" val="1342584781"/>
+      </p:ext>
+    </p:extLst>
   </p:cSld>
   <p:clrMapOvr>
     <a:masterClrMapping/>
@@ -4635,18 +4635,13 @@
 </file>
 
 <file path=ppt/slideMasters/slideMaster1.xml><?xml version="1.0" encoding="utf-8"?>
-<p:sldMaster xmlns:a="http://schemas.openxmlformats.org/drawingml/2006/main" xmlns:p="http://schemas.openxmlformats.org/presentationml/2006/main" xmlns:p14="http://schemas.microsoft.com/office/powerpoint/2010/main" xmlns:r="http://schemas.openxmlformats.org/officeDocument/2006/relationships">
+<p:sldMaster xmlns:a="http://schemas.openxmlformats.org/drawingml/2006/main" xmlns:r="http://schemas.openxmlformats.org/officeDocument/2006/relationships" xmlns:p="http://schemas.openxmlformats.org/presentationml/2006/main">
   <p:cSld>
     <p:bg>
       <p:bgRef idx="1001">
         <a:schemeClr val="bg1"/>
       </p:bgRef>
     </p:bg>
-    <p:extLst>
-      <p:ext uri="{BB962C8B-B14F-4D97-AF65-F5344CB8AC3E}">
-        <p14:creationId val="2078756576"/>
-      </p:ext>
-    </p:extLst>
     <p:spTree>
       <p:nvGrpSpPr>
         <p:cNvPr id="1" name=""/>
@@ -5402,6 +5397,11 @@
         </p:txBody>
       </p:sp>
     </p:spTree>
+    <p:extLst>
+      <p:ext uri="{BB962C8B-B14F-4D97-AF65-F5344CB8AC3E}">
+        <p14:creationId xmlns:p14="http://schemas.microsoft.com/office/powerpoint/2010/main" val="1689583916"/>
+      </p:ext>
+    </p:extLst>
   </p:cSld>
   <p:clrMap bg1="lt1" tx1="dk1" bg2="lt2" tx2="dk2" accent1="accent1" accent2="accent2" accent3="accent3" accent4="accent4" accent5="accent5" accent6="accent6" hlink="hlink" folHlink="folHlink"/>
   <p:sldLayoutIdLst>
@@ -5423,6 +5423,78 @@
     <p:sldLayoutId id="2147483739" r:id="rId16"/>
   </p:sldLayoutIdLst>
   <p:txStyles>
+    <p:titleStyle>
+      <a:lvl1pPr algn="l" defTabSz="342900" rtl="0" eaLnBrk="1" latinLnBrk="0" hangingPunct="1">
+        <a:spcBef>
+          <a:spcPct val="0"/>
+        </a:spcBef>
+        <a:buNone/>
+        <a:defRPr sz="2700" kern="1200">
+          <a:solidFill>
+            <a:schemeClr val="tx1"/>
+          </a:solidFill>
+          <a:latin typeface="+mj-lt"/>
+          <a:ea typeface="+mj-ea"/>
+          <a:cs typeface="+mj-cs"/>
+        </a:defRPr>
+      </a:lvl1pPr>
+      <a:lvl2pPr eaLnBrk="1" hangingPunct="1">
+        <a:defRPr>
+          <a:solidFill>
+            <a:schemeClr val="tx2"/>
+          </a:solidFill>
+        </a:defRPr>
+      </a:lvl2pPr>
+      <a:lvl3pPr eaLnBrk="1" hangingPunct="1">
+        <a:defRPr>
+          <a:solidFill>
+            <a:schemeClr val="tx2"/>
+          </a:solidFill>
+        </a:defRPr>
+      </a:lvl3pPr>
+      <a:lvl4pPr eaLnBrk="1" hangingPunct="1">
+        <a:defRPr>
+          <a:solidFill>
+            <a:schemeClr val="tx2"/>
+          </a:solidFill>
+        </a:defRPr>
+      </a:lvl4pPr>
+      <a:lvl5pPr eaLnBrk="1" hangingPunct="1">
+        <a:defRPr>
+          <a:solidFill>
+            <a:schemeClr val="tx2"/>
+          </a:solidFill>
+        </a:defRPr>
+      </a:lvl5pPr>
+      <a:lvl6pPr eaLnBrk="1" hangingPunct="1">
+        <a:defRPr>
+          <a:solidFill>
+            <a:schemeClr val="tx2"/>
+          </a:solidFill>
+        </a:defRPr>
+      </a:lvl6pPr>
+      <a:lvl7pPr eaLnBrk="1" hangingPunct="1">
+        <a:defRPr>
+          <a:solidFill>
+            <a:schemeClr val="tx2"/>
+          </a:solidFill>
+        </a:defRPr>
+      </a:lvl7pPr>
+      <a:lvl8pPr eaLnBrk="1" hangingPunct="1">
+        <a:defRPr>
+          <a:solidFill>
+            <a:schemeClr val="tx2"/>
+          </a:solidFill>
+        </a:defRPr>
+      </a:lvl8pPr>
+      <a:lvl9pPr eaLnBrk="1" hangingPunct="1">
+        <a:defRPr>
+          <a:solidFill>
+            <a:schemeClr val="tx2"/>
+          </a:solidFill>
+        </a:defRPr>
+      </a:lvl9pPr>
+    </p:titleStyle>
     <p:bodyStyle>
       <a:lvl1pPr marL="257175" indent="-257175" algn="l" defTabSz="342900" rtl="0" eaLnBrk="1" latinLnBrk="0" hangingPunct="1">
         <a:spcBef>
@@ -5745,90 +5817,13 @@
         </a:defRPr>
       </a:lvl9pPr>
     </p:otherStyle>
-    <p:titleStyle>
-      <a:lvl1pPr algn="l" defTabSz="342900" rtl="0" eaLnBrk="1" latinLnBrk="0" hangingPunct="1">
-        <a:spcBef>
-          <a:spcPct val="0"/>
-        </a:spcBef>
-        <a:buNone/>
-        <a:defRPr sz="2700" kern="1200">
-          <a:solidFill>
-            <a:schemeClr val="tx1"/>
-          </a:solidFill>
-          <a:latin typeface="+mj-lt"/>
-          <a:ea typeface="+mj-ea"/>
-          <a:cs typeface="+mj-cs"/>
-        </a:defRPr>
-      </a:lvl1pPr>
-      <a:lvl2pPr eaLnBrk="1" hangingPunct="1">
-        <a:defRPr>
-          <a:solidFill>
-            <a:schemeClr val="tx2"/>
-          </a:solidFill>
-        </a:defRPr>
-      </a:lvl2pPr>
-      <a:lvl3pPr eaLnBrk="1" hangingPunct="1">
-        <a:defRPr>
-          <a:solidFill>
-            <a:schemeClr val="tx2"/>
-          </a:solidFill>
-        </a:defRPr>
-      </a:lvl3pPr>
-      <a:lvl4pPr eaLnBrk="1" hangingPunct="1">
-        <a:defRPr>
-          <a:solidFill>
-            <a:schemeClr val="tx2"/>
-          </a:solidFill>
-        </a:defRPr>
-      </a:lvl4pPr>
-      <a:lvl5pPr eaLnBrk="1" hangingPunct="1">
-        <a:defRPr>
-          <a:solidFill>
-            <a:schemeClr val="tx2"/>
-          </a:solidFill>
-        </a:defRPr>
-      </a:lvl5pPr>
-      <a:lvl6pPr eaLnBrk="1" hangingPunct="1">
-        <a:defRPr>
-          <a:solidFill>
-            <a:schemeClr val="tx2"/>
-          </a:solidFill>
-        </a:defRPr>
-      </a:lvl6pPr>
-      <a:lvl7pPr eaLnBrk="1" hangingPunct="1">
-        <a:defRPr>
-          <a:solidFill>
-            <a:schemeClr val="tx2"/>
-          </a:solidFill>
-        </a:defRPr>
-      </a:lvl7pPr>
-      <a:lvl8pPr eaLnBrk="1" hangingPunct="1">
-        <a:defRPr>
-          <a:solidFill>
-            <a:schemeClr val="tx2"/>
-          </a:solidFill>
-        </a:defRPr>
-      </a:lvl8pPr>
-      <a:lvl9pPr eaLnBrk="1" hangingPunct="1">
-        <a:defRPr>
-          <a:solidFill>
-            <a:schemeClr val="tx2"/>
-          </a:solidFill>
-        </a:defRPr>
-      </a:lvl9pPr>
-    </p:titleStyle>
   </p:txStyles>
 </p:sldMaster>
 </file>
 
 <file path=ppt/slides/slide1.xml><?xml version="1.0" encoding="utf-8"?>
-<p:sld xmlns:a="http://schemas.openxmlformats.org/drawingml/2006/main" xmlns:a16="http://schemas.microsoft.com/office/drawing/2014/main" xmlns:p="http://schemas.openxmlformats.org/presentationml/2006/main" xmlns:p14="http://schemas.microsoft.com/office/powerpoint/2010/main">
+<p:sld xmlns:a="http://schemas.openxmlformats.org/drawingml/2006/main" xmlns:r="http://schemas.openxmlformats.org/officeDocument/2006/relationships" xmlns:p="http://schemas.openxmlformats.org/presentationml/2006/main">
   <p:cSld>
-    <p:extLst>
-      <p:ext uri="{BB962C8B-B14F-4D97-AF65-F5344CB8AC3E}">
-        <p14:creationId val="4187418205"/>
-      </p:ext>
-    </p:extLst>
     <p:spTree>
       <p:nvGrpSpPr>
         <p:cNvPr id="1" name=""/>
@@ -5848,7 +5843,7 @@
           <p:cNvPr id="2" name="Title 1">
             <a:extLst>
               <a:ext uri="{FF2B5EF4-FFF2-40B4-BE49-F238E27FC236}">
-                <a16:creationId id="{F45C0353-3421-4E89-A556-785F4C8D2C15}"/>
+                <a16:creationId xmlns:a16="http://schemas.microsoft.com/office/drawing/2014/main" id="{F45C0353-3421-4E89-A556-785F4C8D2C15}"/>
               </a:ext>
             </a:extLst>
           </p:cNvPr>
@@ -5873,7 +5868,7 @@
           <p:cNvPr id="3" name="Subtitle 2">
             <a:extLst>
               <a:ext uri="{FF2B5EF4-FFF2-40B4-BE49-F238E27FC236}">
-                <a16:creationId id="{0DD63B5A-0803-4735-9355-DF9F99681E3E}"/>
+                <a16:creationId xmlns:a16="http://schemas.microsoft.com/office/drawing/2014/main" id="{0DD63B5A-0803-4735-9355-DF9F99681E3E}"/>
               </a:ext>
             </a:extLst>
           </p:cNvPr>
@@ -5894,6 +5889,11 @@
         </p:txBody>
       </p:sp>
     </p:spTree>
+    <p:extLst>
+      <p:ext uri="{BB962C8B-B14F-4D97-AF65-F5344CB8AC3E}">
+        <p14:creationId xmlns:p14="http://schemas.microsoft.com/office/powerpoint/2010/main" val="3326762606"/>
+      </p:ext>
+    </p:extLst>
   </p:cSld>
   <p:clrMapOvr>
     <a:masterClrMapping/>
@@ -5902,13 +5902,8 @@
 </file>
 
 <file path=ppt/slides/slide2.xml><?xml version="1.0" encoding="utf-8"?>
-<p:sld xmlns:a="http://schemas.openxmlformats.org/drawingml/2006/main" xmlns:a16="http://schemas.microsoft.com/office/drawing/2014/main" xmlns:p="http://schemas.openxmlformats.org/presentationml/2006/main" xmlns:p14="http://schemas.microsoft.com/office/powerpoint/2010/main">
+<p:sld xmlns:a="http://schemas.openxmlformats.org/drawingml/2006/main" xmlns:r="http://schemas.openxmlformats.org/officeDocument/2006/relationships" xmlns:p="http://schemas.openxmlformats.org/presentationml/2006/main">
   <p:cSld>
-    <p:extLst>
-      <p:ext uri="{BB962C8B-B14F-4D97-AF65-F5344CB8AC3E}">
-        <p14:creationId val="1409817405"/>
-      </p:ext>
-    </p:extLst>
     <p:spTree>
       <p:nvGrpSpPr>
         <p:cNvPr id="1" name=""/>
@@ -5928,7 +5923,7 @@
           <p:cNvPr id="2" name="Title 1">
             <a:extLst>
               <a:ext uri="{FF2B5EF4-FFF2-40B4-BE49-F238E27FC236}">
-                <a16:creationId id="{112C9BF8-EFCE-4170-B9AA-DB62676A3544}"/>
+                <a16:creationId xmlns:a16="http://schemas.microsoft.com/office/drawing/2014/main" id="{112C9BF8-EFCE-4170-B9AA-DB62676A3544}"/>
               </a:ext>
             </a:extLst>
           </p:cNvPr>
@@ -5953,7 +5948,7 @@
           <p:cNvPr id="3" name="Content Placeholder 2">
             <a:extLst>
               <a:ext uri="{FF2B5EF4-FFF2-40B4-BE49-F238E27FC236}">
-                <a16:creationId id="{5427F163-2B1F-4CBC-ACB1-767DF9D67B29}"/>
+                <a16:creationId xmlns:a16="http://schemas.microsoft.com/office/drawing/2014/main" id="{5427F163-2B1F-4CBC-ACB1-767DF9D67B29}"/>
               </a:ext>
             </a:extLst>
           </p:cNvPr>
@@ -5974,6 +5969,11 @@
         </p:txBody>
       </p:sp>
     </p:spTree>
+    <p:extLst>
+      <p:ext uri="{BB962C8B-B14F-4D97-AF65-F5344CB8AC3E}">
+        <p14:creationId xmlns:p14="http://schemas.microsoft.com/office/powerpoint/2010/main" val="61226009"/>
+      </p:ext>
+    </p:extLst>
   </p:cSld>
   <p:clrMapOvr>
     <a:masterClrMapping/>
@@ -5982,7 +5982,7 @@
 </file>
 
 <file path=ppt/theme/theme1.xml><?xml version="1.0" encoding="utf-8"?>
-<a:theme xmlns:a="http://schemas.openxmlformats.org/drawingml/2006/main" xmlns:thm15="http://schemas.microsoft.com/office/thememl/2012/main" name="Facet">
+<a:theme xmlns:a="http://schemas.openxmlformats.org/drawingml/2006/main" name="Facet">
   <a:themeElements>
     <a:clrScheme name="Yellow">
       <a:dk1>
@@ -6022,6 +6022,78 @@
         <a:srgbClr val="7F723D"/>
       </a:folHlink>
     </a:clrScheme>
+    <a:fontScheme name="Facet">
+      <a:majorFont>
+        <a:latin typeface="Trebuchet MS" panose="020B0603020202020204"/>
+        <a:ea typeface=""/>
+        <a:cs typeface=""/>
+        <a:font script="Jpan" typeface="メイリオ"/>
+        <a:font script="Hang" typeface="맑은 고딕"/>
+        <a:font script="Hans" typeface="方正姚体"/>
+        <a:font script="Hant" typeface="微軟正黑體"/>
+        <a:font script="Arab" typeface="Tahoma"/>
+        <a:font script="Hebr" typeface="Arial"/>
+        <a:font script="Thai" typeface="Cordia New"/>
+        <a:font script="Ethi" typeface="Nyala"/>
+        <a:font script="Beng" typeface="Vrinda"/>
+        <a:font script="Gujr" typeface="Shruti"/>
+        <a:font script="Khmr" typeface="DaunPenh"/>
+        <a:font script="Knda" typeface="Tunga"/>
+        <a:font script="Guru" typeface="Raavi"/>
+        <a:font script="Cans" typeface="Euphemia"/>
+        <a:font script="Cher" typeface="Plantagenet Cherokee"/>
+        <a:font script="Yiii" typeface="Microsoft Yi Baiti"/>
+        <a:font script="Tibt" typeface="Microsoft Himalaya"/>
+        <a:font script="Thaa" typeface="MV Boli"/>
+        <a:font script="Deva" typeface="Mangal"/>
+        <a:font script="Telu" typeface="Gautami"/>
+        <a:font script="Taml" typeface="Latha"/>
+        <a:font script="Syrc" typeface="Estrangelo Edessa"/>
+        <a:font script="Orya" typeface="Kalinga"/>
+        <a:font script="Mlym" typeface="Kartika"/>
+        <a:font script="Laoo" typeface="DokChampa"/>
+        <a:font script="Sinh" typeface="Iskoola Pota"/>
+        <a:font script="Mong" typeface="Mongolian Baiti"/>
+        <a:font script="Viet" typeface="Tahoma"/>
+        <a:font script="Uigh" typeface="Microsoft Uighur"/>
+        <a:font script="Geor" typeface="Sylfaen"/>
+      </a:majorFont>
+      <a:minorFont>
+        <a:latin typeface="Trebuchet MS" panose="020B0603020202020204"/>
+        <a:ea typeface=""/>
+        <a:cs typeface=""/>
+        <a:font script="Jpan" typeface="メイリオ"/>
+        <a:font script="Hang" typeface="HY그래픽M"/>
+        <a:font script="Hans" typeface="华文新魏"/>
+        <a:font script="Hant" typeface="微軟正黑體"/>
+        <a:font script="Arab" typeface="Tahoma"/>
+        <a:font script="Hebr" typeface="Gisha"/>
+        <a:font script="Thai" typeface="IrisUPC"/>
+        <a:font script="Ethi" typeface="Nyala"/>
+        <a:font script="Beng" typeface="Vrinda"/>
+        <a:font script="Gujr" typeface="Shruti"/>
+        <a:font script="Khmr" typeface="DaunPenh"/>
+        <a:font script="Knda" typeface="Tunga"/>
+        <a:font script="Guru" typeface="Raavi"/>
+        <a:font script="Cans" typeface="Euphemia"/>
+        <a:font script="Cher" typeface="Plantagenet Cherokee"/>
+        <a:font script="Yiii" typeface="Microsoft Yi Baiti"/>
+        <a:font script="Tibt" typeface="Microsoft Himalaya"/>
+        <a:font script="Thaa" typeface="MV Boli"/>
+        <a:font script="Deva" typeface="Mangal"/>
+        <a:font script="Telu" typeface="Gautami"/>
+        <a:font script="Taml" typeface="Latha"/>
+        <a:font script="Syrc" typeface="Estrangelo Edessa"/>
+        <a:font script="Orya" typeface="Kalinga"/>
+        <a:font script="Mlym" typeface="Kartika"/>
+        <a:font script="Laoo" typeface="DokChampa"/>
+        <a:font script="Sinh" typeface="Iskoola Pota"/>
+        <a:font script="Mong" typeface="Mongolian Baiti"/>
+        <a:font script="Viet" typeface="Arial"/>
+        <a:font script="Uigh" typeface="Microsoft Uighur"/>
+        <a:font script="Geor" typeface="Sylfaen"/>
+      </a:minorFont>
+    </a:fontScheme>
     <a:fmtScheme name="Facet">
       <a:fillStyleLst>
         <a:solidFill>
@@ -6155,84 +6227,12 @@
         </a:gradFill>
       </a:bgFillStyleLst>
     </a:fmtScheme>
-    <a:fontScheme name="Facet">
-      <a:majorFont>
-        <a:latin typeface="Trebuchet MS" panose="020B0603020202020204"/>
-        <a:ea typeface=""/>
-        <a:cs typeface=""/>
-        <a:font script="Jpan" typeface="メイリオ"/>
-        <a:font script="Hang" typeface="맑은 고딕"/>
-        <a:font script="Hans" typeface="方正姚体"/>
-        <a:font script="Hant" typeface="微軟正黑體"/>
-        <a:font script="Arab" typeface="Tahoma"/>
-        <a:font script="Hebr" typeface="Arial"/>
-        <a:font script="Thai" typeface="Cordia New"/>
-        <a:font script="Ethi" typeface="Nyala"/>
-        <a:font script="Beng" typeface="Vrinda"/>
-        <a:font script="Gujr" typeface="Shruti"/>
-        <a:font script="Khmr" typeface="DaunPenh"/>
-        <a:font script="Knda" typeface="Tunga"/>
-        <a:font script="Guru" typeface="Raavi"/>
-        <a:font script="Cans" typeface="Euphemia"/>
-        <a:font script="Cher" typeface="Plantagenet Cherokee"/>
-        <a:font script="Yiii" typeface="Microsoft Yi Baiti"/>
-        <a:font script="Tibt" typeface="Microsoft Himalaya"/>
-        <a:font script="Thaa" typeface="MV Boli"/>
-        <a:font script="Deva" typeface="Mangal"/>
-        <a:font script="Telu" typeface="Gautami"/>
-        <a:font script="Taml" typeface="Latha"/>
-        <a:font script="Syrc" typeface="Estrangelo Edessa"/>
-        <a:font script="Orya" typeface="Kalinga"/>
-        <a:font script="Mlym" typeface="Kartika"/>
-        <a:font script="Laoo" typeface="DokChampa"/>
-        <a:font script="Sinh" typeface="Iskoola Pota"/>
-        <a:font script="Mong" typeface="Mongolian Baiti"/>
-        <a:font script="Viet" typeface="Tahoma"/>
-        <a:font script="Uigh" typeface="Microsoft Uighur"/>
-        <a:font script="Geor" typeface="Sylfaen"/>
-      </a:majorFont>
-      <a:minorFont>
-        <a:latin typeface="Trebuchet MS" panose="020B0603020202020204"/>
-        <a:ea typeface=""/>
-        <a:cs typeface=""/>
-        <a:font script="Jpan" typeface="メイリオ"/>
-        <a:font script="Hang" typeface="HY그래픽M"/>
-        <a:font script="Hans" typeface="华文新魏"/>
-        <a:font script="Hant" typeface="微軟正黑體"/>
-        <a:font script="Arab" typeface="Tahoma"/>
-        <a:font script="Hebr" typeface="Gisha"/>
-        <a:font script="Thai" typeface="IrisUPC"/>
-        <a:font script="Ethi" typeface="Nyala"/>
-        <a:font script="Beng" typeface="Vrinda"/>
-        <a:font script="Gujr" typeface="Shruti"/>
-        <a:font script="Khmr" typeface="DaunPenh"/>
-        <a:font script="Knda" typeface="Tunga"/>
-        <a:font script="Guru" typeface="Raavi"/>
-        <a:font script="Cans" typeface="Euphemia"/>
-        <a:font script="Cher" typeface="Plantagenet Cherokee"/>
-        <a:font script="Yiii" typeface="Microsoft Yi Baiti"/>
-        <a:font script="Tibt" typeface="Microsoft Himalaya"/>
-        <a:font script="Thaa" typeface="MV Boli"/>
-        <a:font script="Deva" typeface="Mangal"/>
-        <a:font script="Telu" typeface="Gautami"/>
-        <a:font script="Taml" typeface="Latha"/>
-        <a:font script="Syrc" typeface="Estrangelo Edessa"/>
-        <a:font script="Orya" typeface="Kalinga"/>
-        <a:font script="Mlym" typeface="Kartika"/>
-        <a:font script="Laoo" typeface="DokChampa"/>
-        <a:font script="Sinh" typeface="Iskoola Pota"/>
-        <a:font script="Mong" typeface="Mongolian Baiti"/>
-        <a:font script="Viet" typeface="Arial"/>
-        <a:font script="Uigh" typeface="Microsoft Uighur"/>
-        <a:font script="Geor" typeface="Sylfaen"/>
-      </a:minorFont>
-    </a:fontScheme>
   </a:themeElements>
   <a:objectDefaults/>
   <a:extraClrSchemeLst/>
   <a:extLst>
     <a:ext uri="{05A4C25C-085E-4340-85A3-A5531E510DB2}">
-      <thm15:themeFamily name="Facet" id="{C0C680CD-088A-49FC-A102-D699147F32B2}" vid="{CFBC31BA-B70F-4F30-BCAA-4F3011E16C4D}"/>
+      <thm15:themeFamily xmlns:thm15="http://schemas.microsoft.com/office/thememl/2012/main" name="Facet" id="{C0C680CD-088A-49FC-A102-D699147F32B2}" vid="{CFBC31BA-B70F-4F30-BCAA-4F3011E16C4D}"/>
     </a:ext>
   </a:extLst>
 </a:theme>
